--- a/doc/Open-KMI_Project_Introduction.pptx
+++ b/doc/Open-KMI_Project_Introduction.pptx
@@ -115,6 +115,11 @@
       </a:defRPr>
     </a:lvl9pPr>
   </p:defaultTextStyle>
+  <p:extLst>
+    <p:ext uri="{EFAFB233-063F-42B5-8137-9DF3F51BA10A}">
+      <p15:sldGuideLst xmlns:p15="http://schemas.microsoft.com/office/powerpoint/2012/main"/>
+    </p:ext>
+  </p:extLst>
 </p:presentation>
 </file>
 
@@ -267,7 +272,7 @@
           <a:p>
             <a:fld id="{9B3C7D7D-6EFE-449D-BBFA-35DA01B6A7B1}" type="datetimeFigureOut">
               <a:rPr lang="en-US" smtClean="0"/>
-              <a:t>3/16/2021</a:t>
+              <a:t>3/17/2021</a:t>
             </a:fld>
             <a:endParaRPr lang="en-US"/>
           </a:p>
@@ -467,7 +472,7 @@
           <a:p>
             <a:fld id="{9B3C7D7D-6EFE-449D-BBFA-35DA01B6A7B1}" type="datetimeFigureOut">
               <a:rPr lang="en-US" smtClean="0"/>
-              <a:t>3/16/2021</a:t>
+              <a:t>3/17/2021</a:t>
             </a:fld>
             <a:endParaRPr lang="en-US"/>
           </a:p>
@@ -677,7 +682,7 @@
           <a:p>
             <a:fld id="{9B3C7D7D-6EFE-449D-BBFA-35DA01B6A7B1}" type="datetimeFigureOut">
               <a:rPr lang="en-US" smtClean="0"/>
-              <a:t>3/16/2021</a:t>
+              <a:t>3/17/2021</a:t>
             </a:fld>
             <a:endParaRPr lang="en-US"/>
           </a:p>
@@ -877,7 +882,7 @@
           <a:p>
             <a:fld id="{9B3C7D7D-6EFE-449D-BBFA-35DA01B6A7B1}" type="datetimeFigureOut">
               <a:rPr lang="en-US" smtClean="0"/>
-              <a:t>3/16/2021</a:t>
+              <a:t>3/17/2021</a:t>
             </a:fld>
             <a:endParaRPr lang="en-US"/>
           </a:p>
@@ -1153,7 +1158,7 @@
           <a:p>
             <a:fld id="{9B3C7D7D-6EFE-449D-BBFA-35DA01B6A7B1}" type="datetimeFigureOut">
               <a:rPr lang="en-US" smtClean="0"/>
-              <a:t>3/16/2021</a:t>
+              <a:t>3/17/2021</a:t>
             </a:fld>
             <a:endParaRPr lang="en-US"/>
           </a:p>
@@ -1421,7 +1426,7 @@
           <a:p>
             <a:fld id="{9B3C7D7D-6EFE-449D-BBFA-35DA01B6A7B1}" type="datetimeFigureOut">
               <a:rPr lang="en-US" smtClean="0"/>
-              <a:t>3/16/2021</a:t>
+              <a:t>3/17/2021</a:t>
             </a:fld>
             <a:endParaRPr lang="en-US"/>
           </a:p>
@@ -1836,7 +1841,7 @@
           <a:p>
             <a:fld id="{9B3C7D7D-6EFE-449D-BBFA-35DA01B6A7B1}" type="datetimeFigureOut">
               <a:rPr lang="en-US" smtClean="0"/>
-              <a:t>3/16/2021</a:t>
+              <a:t>3/17/2021</a:t>
             </a:fld>
             <a:endParaRPr lang="en-US"/>
           </a:p>
@@ -1978,7 +1983,7 @@
           <a:p>
             <a:fld id="{9B3C7D7D-6EFE-449D-BBFA-35DA01B6A7B1}" type="datetimeFigureOut">
               <a:rPr lang="en-US" smtClean="0"/>
-              <a:t>3/16/2021</a:t>
+              <a:t>3/17/2021</a:t>
             </a:fld>
             <a:endParaRPr lang="en-US"/>
           </a:p>
@@ -2091,7 +2096,7 @@
           <a:p>
             <a:fld id="{9B3C7D7D-6EFE-449D-BBFA-35DA01B6A7B1}" type="datetimeFigureOut">
               <a:rPr lang="en-US" smtClean="0"/>
-              <a:t>3/16/2021</a:t>
+              <a:t>3/17/2021</a:t>
             </a:fld>
             <a:endParaRPr lang="en-US"/>
           </a:p>
@@ -2404,7 +2409,7 @@
           <a:p>
             <a:fld id="{9B3C7D7D-6EFE-449D-BBFA-35DA01B6A7B1}" type="datetimeFigureOut">
               <a:rPr lang="en-US" smtClean="0"/>
-              <a:t>3/16/2021</a:t>
+              <a:t>3/17/2021</a:t>
             </a:fld>
             <a:endParaRPr lang="en-US"/>
           </a:p>
@@ -2693,7 +2698,7 @@
           <a:p>
             <a:fld id="{9B3C7D7D-6EFE-449D-BBFA-35DA01B6A7B1}" type="datetimeFigureOut">
               <a:rPr lang="en-US" smtClean="0"/>
-              <a:t>3/16/2021</a:t>
+              <a:t>3/17/2021</a:t>
             </a:fld>
             <a:endParaRPr lang="en-US"/>
           </a:p>
@@ -2936,7 +2941,7 @@
           <a:p>
             <a:fld id="{9B3C7D7D-6EFE-449D-BBFA-35DA01B6A7B1}" type="datetimeFigureOut">
               <a:rPr lang="en-US" smtClean="0"/>
-              <a:t>3/16/2021</a:t>
+              <a:t>3/17/2021</a:t>
             </a:fld>
             <a:endParaRPr lang="en-US"/>
           </a:p>
@@ -8985,8 +8990,8 @@
         </p:nvSpPr>
         <p:spPr>
           <a:xfrm>
-            <a:off x="7443335" y="4411642"/>
-            <a:ext cx="5088408" cy="1107996"/>
+            <a:off x="7443335" y="4405580"/>
+            <a:ext cx="5088408" cy="1323439"/>
           </a:xfrm>
           <a:prstGeom prst="rect">
             <a:avLst/>
@@ -9016,11 +9021,7 @@
             </a:pPr>
             <a:r>
               <a:rPr lang="en-US" sz="1400" dirty="0"/>
-              <a:t>We are going to use </a:t>
-            </a:r>
-            <a:r>
-              <a:rPr lang="en-US" sz="1400" i="1" dirty="0"/>
-              <a:t>H2-File-DBMS.</a:t>
+              <a:t>This Core JAR File for providing KMS functions.</a:t>
             </a:r>
           </a:p>
           <a:p>
@@ -9030,15 +9031,7 @@
             </a:pPr>
             <a:r>
               <a:rPr lang="en-US" sz="1400" dirty="0"/>
-              <a:t>This DBMS mainly maintain Key-</a:t>
-            </a:r>
-            <a:r>
-              <a:rPr lang="en-US" sz="1400" dirty="0" err="1"/>
-              <a:t>datas</a:t>
-            </a:r>
-            <a:r>
-              <a:rPr lang="en-US" sz="1400" dirty="0"/>
-              <a:t>.</a:t>
+              <a:t>We try to minimize of using 3rd party libraries.</a:t>
             </a:r>
           </a:p>
           <a:p>
@@ -9048,7 +9041,21 @@
             </a:pPr>
             <a:r>
               <a:rPr lang="en-US" sz="1400" dirty="0"/>
-              <a:t>Assign and share the Key to many subject.</a:t>
+              <a:t>This support many security </a:t>
+            </a:r>
+            <a:r>
+              <a:rPr lang="en-US" sz="1400" i="1" dirty="0"/>
+              <a:t>Provider(ex: Bouncy..).</a:t>
+            </a:r>
+          </a:p>
+          <a:p>
+            <a:pPr marL="342900" indent="-342900">
+              <a:buFontTx/>
+              <a:buChar char="-"/>
+            </a:pPr>
+            <a:r>
+              <a:rPr lang="en-US" sz="1400" dirty="0"/>
+              <a:t>User can use user’s DBCP Libraries.</a:t>
             </a:r>
           </a:p>
         </p:txBody>
